--- a/Complimentary Course Content/Module5/Lessons/Module5_Lesson5 Clustering.pptx
+++ b/Complimentary Course Content/Module5/Lessons/Module5_Lesson5 Clustering.pptx
@@ -159,7 +159,7 @@
       </p14:sectionLst>
     </p:ext>
     <p:ext uri="{EFAFB233-063F-42B5-8137-9DF3F51BA10A}">
-      <p15:sldGuideLst xmlns:p15="http://schemas.microsoft.com/office/powerpoint/2012/main" xmlns="">
+      <p15:sldGuideLst xmlns="" xmlns:p15="http://schemas.microsoft.com/office/powerpoint/2012/main">
         <p15:guide id="1" orient="horz" pos="2160">
           <p15:clr>
             <a:srgbClr val="A4A3A4"/>
@@ -173,7 +173,7 @@
       </p15:sldGuideLst>
     </p:ext>
     <p:ext uri="{2D200454-40CA-4A62-9FC3-DE9A4176ACB9}">
-      <p15:notesGuideLst xmlns:p15="http://schemas.microsoft.com/office/powerpoint/2012/main" xmlns=""/>
+      <p15:notesGuideLst xmlns="" xmlns:p15="http://schemas.microsoft.com/office/powerpoint/2012/main"/>
     </p:ext>
   </p:extLst>
 </p:presentation>
@@ -269,7 +269,7 @@
             <a:fld id="{30A74B2F-3EEF-410A-B738-5B66A46A3256}" type="datetimeFigureOut">
               <a:rPr lang="en-US" smtClean="0"/>
               <a:pPr/>
-              <a:t>6/29/16</a:t>
+              <a:t>7/7/16</a:t>
             </a:fld>
             <a:endParaRPr lang="en-US"/>
           </a:p>
@@ -436,7 +436,7 @@
             <a:fld id="{2E5CA586-3557-4985-BCD4-35EF5AC8B4A4}" type="datetimeFigureOut">
               <a:rPr lang="en-US" smtClean="0"/>
               <a:pPr/>
-              <a:t>6/29/16</a:t>
+              <a:t>7/7/16</a:t>
             </a:fld>
             <a:endParaRPr lang="en-US"/>
           </a:p>
@@ -11319,7 +11319,7 @@
                 <a:latin typeface="Segoe UI"/>
               </a:rPr>
               <a:pPr/>
-              <a:t>6/29/16</a:t>
+              <a:t>7/7/16</a:t>
             </a:fld>
             <a:endParaRPr lang="en-US">
               <a:solidFill>
@@ -11524,7 +11524,7 @@
                 <a:latin typeface="Segoe UI"/>
               </a:rPr>
               <a:pPr/>
-              <a:t>6/29/16</a:t>
+              <a:t>7/7/16</a:t>
             </a:fld>
             <a:endParaRPr lang="en-US">
               <a:solidFill>
@@ -11822,7 +11822,7 @@
                 <a:latin typeface="Segoe UI"/>
               </a:rPr>
               <a:pPr/>
-              <a:t>6/29/16</a:t>
+              <a:t>7/7/16</a:t>
             </a:fld>
             <a:endParaRPr lang="en-US">
               <a:solidFill>
@@ -12166,7 +12166,7 @@
                 <a:latin typeface="Segoe UI"/>
               </a:rPr>
               <a:pPr/>
-              <a:t>6/29/16</a:t>
+              <a:t>7/7/16</a:t>
             </a:fld>
             <a:endParaRPr lang="en-US">
               <a:solidFill>
@@ -12541,7 +12541,7 @@
                 <a:latin typeface="Segoe UI"/>
               </a:rPr>
               <a:pPr/>
-              <a:t>6/29/16</a:t>
+              <a:t>7/7/16</a:t>
             </a:fld>
             <a:endParaRPr lang="en-US">
               <a:solidFill>
@@ -13852,7 +13852,7 @@
                 <a:latin typeface="Segoe UI"/>
               </a:rPr>
               <a:pPr/>
-              <a:t>6/29/16</a:t>
+              <a:t>7/7/16</a:t>
             </a:fld>
             <a:endParaRPr lang="en-US">
               <a:solidFill>
@@ -14253,7 +14253,7 @@
                 <a:latin typeface="Segoe UI"/>
               </a:rPr>
               <a:pPr/>
-              <a:t>6/29/16</a:t>
+              <a:t>7/7/16</a:t>
             </a:fld>
             <a:endParaRPr lang="en-US">
               <a:solidFill>
@@ -14407,7 +14407,7 @@
                 <a:latin typeface="Segoe UI"/>
               </a:rPr>
               <a:pPr/>
-              <a:t>6/29/16</a:t>
+              <a:t>7/7/16</a:t>
             </a:fld>
             <a:endParaRPr lang="en-US">
               <a:solidFill>
@@ -14539,7 +14539,7 @@
                 <a:latin typeface="Segoe UI"/>
               </a:rPr>
               <a:pPr/>
-              <a:t>6/29/16</a:t>
+              <a:t>7/7/16</a:t>
             </a:fld>
             <a:endParaRPr lang="en-US">
               <a:solidFill>
@@ -14851,7 +14851,7 @@
                 <a:latin typeface="Segoe UI"/>
               </a:rPr>
               <a:pPr/>
-              <a:t>6/29/16</a:t>
+              <a:t>7/7/16</a:t>
             </a:fld>
             <a:endParaRPr lang="en-US">
               <a:solidFill>
@@ -15140,7 +15140,7 @@
                 <a:latin typeface="Segoe UI"/>
               </a:rPr>
               <a:pPr/>
-              <a:t>6/29/16</a:t>
+              <a:t>7/7/16</a:t>
             </a:fld>
             <a:endParaRPr lang="en-US">
               <a:solidFill>
@@ -15345,7 +15345,7 @@
                 <a:latin typeface="Segoe UI"/>
               </a:rPr>
               <a:pPr/>
-              <a:t>6/29/16</a:t>
+              <a:t>7/7/16</a:t>
             </a:fld>
             <a:endParaRPr lang="en-US">
               <a:solidFill>
@@ -15560,7 +15560,7 @@
                 <a:latin typeface="Segoe UI"/>
               </a:rPr>
               <a:pPr/>
-              <a:t>6/29/16</a:t>
+              <a:t>7/7/16</a:t>
             </a:fld>
             <a:endParaRPr lang="en-US">
               <a:solidFill>
@@ -15803,7 +15803,7 @@
                 <a:latin typeface="Segoe UI"/>
               </a:rPr>
               <a:pPr/>
-              <a:t>6/29/16</a:t>
+              <a:t>7/7/16</a:t>
             </a:fld>
             <a:endParaRPr lang="en-US">
               <a:solidFill>
@@ -16008,7 +16008,7 @@
                 <a:latin typeface="Segoe UI"/>
               </a:rPr>
               <a:pPr/>
-              <a:t>6/29/16</a:t>
+              <a:t>7/7/16</a:t>
             </a:fld>
             <a:endParaRPr lang="en-US">
               <a:solidFill>
@@ -16763,7 +16763,7 @@
                 <a:latin typeface="Segoe UI"/>
               </a:rPr>
               <a:pPr/>
-              <a:t>6/29/16</a:t>
+              <a:t>7/7/16</a:t>
             </a:fld>
             <a:endParaRPr lang="en-US">
               <a:solidFill>
@@ -17107,7 +17107,7 @@
                 <a:latin typeface="Segoe UI"/>
               </a:rPr>
               <a:pPr/>
-              <a:t>6/29/16</a:t>
+              <a:t>7/7/16</a:t>
             </a:fld>
             <a:endParaRPr lang="en-US">
               <a:solidFill>
@@ -17482,7 +17482,7 @@
                 <a:latin typeface="Segoe UI"/>
               </a:rPr>
               <a:pPr/>
-              <a:t>6/29/16</a:t>
+              <a:t>7/7/16</a:t>
             </a:fld>
             <a:endParaRPr lang="en-US">
               <a:solidFill>
@@ -18426,7 +18426,7 @@
                 <a:latin typeface="Segoe UI"/>
               </a:rPr>
               <a:pPr/>
-              <a:t>6/29/16</a:t>
+              <a:t>7/7/16</a:t>
             </a:fld>
             <a:endParaRPr lang="en-US">
               <a:solidFill>
@@ -18827,7 +18827,7 @@
                 <a:latin typeface="Segoe UI"/>
               </a:rPr>
               <a:pPr/>
-              <a:t>6/29/16</a:t>
+              <a:t>7/7/16</a:t>
             </a:fld>
             <a:endParaRPr lang="en-US">
               <a:solidFill>
@@ -18981,7 +18981,7 @@
                 <a:latin typeface="Segoe UI"/>
               </a:rPr>
               <a:pPr/>
-              <a:t>6/29/16</a:t>
+              <a:t>7/7/16</a:t>
             </a:fld>
             <a:endParaRPr lang="en-US">
               <a:solidFill>
@@ -19113,7 +19113,7 @@
                 <a:latin typeface="Segoe UI"/>
               </a:rPr>
               <a:pPr/>
-              <a:t>6/29/16</a:t>
+              <a:t>7/7/16</a:t>
             </a:fld>
             <a:endParaRPr lang="en-US">
               <a:solidFill>
@@ -19988,7 +19988,7 @@
                 <a:latin typeface="Segoe UI"/>
               </a:rPr>
               <a:pPr/>
-              <a:t>6/29/16</a:t>
+              <a:t>7/7/16</a:t>
             </a:fld>
             <a:endParaRPr lang="en-US">
               <a:solidFill>
@@ -20277,7 +20277,7 @@
                 <a:latin typeface="Segoe UI"/>
               </a:rPr>
               <a:pPr/>
-              <a:t>6/29/16</a:t>
+              <a:t>7/7/16</a:t>
             </a:fld>
             <a:endParaRPr lang="en-US">
               <a:solidFill>
@@ -20482,7 +20482,7 @@
                 <a:latin typeface="Segoe UI"/>
               </a:rPr>
               <a:pPr/>
-              <a:t>6/29/16</a:t>
+              <a:t>7/7/16</a:t>
             </a:fld>
             <a:endParaRPr lang="en-US">
               <a:solidFill>
@@ -20697,7 +20697,7 @@
                 <a:latin typeface="Segoe UI"/>
               </a:rPr>
               <a:pPr/>
-              <a:t>6/29/16</a:t>
+              <a:t>7/7/16</a:t>
             </a:fld>
             <a:endParaRPr lang="en-US">
               <a:solidFill>
@@ -22382,7 +22382,7 @@
                 <a:latin typeface="Segoe UI"/>
               </a:rPr>
               <a:pPr/>
-              <a:t>6/29/16</a:t>
+              <a:t>7/7/16</a:t>
             </a:fld>
             <a:endParaRPr lang="en-US">
               <a:solidFill>
@@ -22962,7 +22962,7 @@
                 <a:latin typeface="Segoe UI"/>
               </a:rPr>
               <a:pPr/>
-              <a:t>6/29/16</a:t>
+              <a:t>7/7/16</a:t>
             </a:fld>
             <a:endParaRPr lang="en-US">
               <a:solidFill>
@@ -33335,7 +33335,7 @@
   <a:extraClrSchemeLst/>
   <a:extLst>
     <a:ext uri="{05A4C25C-085E-4340-85A3-A5531E510DB2}">
-      <thm15:themeFamily xmlns:thm15="http://schemas.microsoft.com/office/thememl/2012/main" xmlns="" name="Azure4ResearchTemplate" id="{DD1C6CE8-BDBA-0D4F-9930-3643ABC8EF0E}" vid="{B5C66FD7-0952-994B-96D6-AB3BB89097FE}"/>
+      <thm15:themeFamily xmlns="" xmlns:thm15="http://schemas.microsoft.com/office/thememl/2012/main" name="Azure4ResearchTemplate" id="{DD1C6CE8-BDBA-0D4F-9930-3643ABC8EF0E}" vid="{B5C66FD7-0952-994B-96D6-AB3BB89097FE}"/>
     </a:ext>
   </a:extLst>
 </a:theme>
@@ -33604,7 +33604,7 @@
   <a:extraClrSchemeLst/>
   <a:extLst>
     <a:ext uri="{05A4C25C-085E-4340-85A3-A5531E510DB2}">
-      <thm15:themeFamily xmlns:thm15="http://schemas.microsoft.com/office/thememl/2012/main" xmlns="" name="Office Theme" id="{62F939B6-93AF-4DB8-9C6B-D6C7DFDC589F}" vid="{4A3C46E8-61CC-4603-A589-7422A47A8E4A}"/>
+      <thm15:themeFamily xmlns="" xmlns:thm15="http://schemas.microsoft.com/office/thememl/2012/main" name="Office Theme" id="{62F939B6-93AF-4DB8-9C6B-D6C7DFDC589F}" vid="{4A3C46E8-61CC-4603-A589-7422A47A8E4A}"/>
     </a:ext>
   </a:extLst>
 </a:theme>
@@ -33873,7 +33873,7 @@
   <a:extraClrSchemeLst/>
   <a:extLst>
     <a:ext uri="{05A4C25C-085E-4340-85A3-A5531E510DB2}">
-      <thm15:themeFamily xmlns:thm15="http://schemas.microsoft.com/office/thememl/2012/main" xmlns="" name="Office Theme" id="{62F939B6-93AF-4DB8-9C6B-D6C7DFDC589F}" vid="{4A3C46E8-61CC-4603-A589-7422A47A8E4A}"/>
+      <thm15:themeFamily xmlns="" xmlns:thm15="http://schemas.microsoft.com/office/thememl/2012/main" name="Office Theme" id="{62F939B6-93AF-4DB8-9C6B-D6C7DFDC589F}" vid="{4A3C46E8-61CC-4603-A589-7422A47A8E4A}"/>
     </a:ext>
   </a:extLst>
 </a:theme>
@@ -34134,7 +34134,7 @@
   <a:extraClrSchemeLst/>
   <a:extLst>
     <a:ext uri="{05A4C25C-085E-4340-85A3-A5531E510DB2}">
-      <thm15:themeFamily xmlns:thm15="http://schemas.microsoft.com/office/thememl/2012/main" xmlns="" name="Office Theme" id="{62F939B6-93AF-4DB8-9C6B-D6C7DFDC589F}" vid="{4A3C46E8-61CC-4603-A589-7422A47A8E4A}"/>
+      <thm15:themeFamily xmlns="" xmlns:thm15="http://schemas.microsoft.com/office/thememl/2012/main" name="Office Theme" id="{62F939B6-93AF-4DB8-9C6B-D6C7DFDC589F}" vid="{4A3C46E8-61CC-4603-A589-7422A47A8E4A}"/>
     </a:ext>
   </a:extLst>
 </a:theme>
@@ -34429,7 +34429,7 @@
   <a:extraClrSchemeLst/>
   <a:extLst>
     <a:ext uri="{05A4C25C-085E-4340-85A3-A5531E510DB2}">
-      <thm15:themeFamily xmlns:thm15="http://schemas.microsoft.com/office/thememl/2012/main" xmlns="" name="Office Theme" id="{62F939B6-93AF-4DB8-9C6B-D6C7DFDC589F}" vid="{4A3C46E8-61CC-4603-A589-7422A47A8E4A}"/>
+      <thm15:themeFamily xmlns="" xmlns:thm15="http://schemas.microsoft.com/office/thememl/2012/main" name="Office Theme" id="{62F939B6-93AF-4DB8-9C6B-D6C7DFDC589F}" vid="{4A3C46E8-61CC-4603-A589-7422A47A8E4A}"/>
     </a:ext>
   </a:extLst>
 </a:theme>

--- a/Complimentary Course Content/Module5/Lessons/Module5_Lesson5 Clustering.pptx
+++ b/Complimentary Course Content/Module5/Lessons/Module5_Lesson5 Clustering.pptx
@@ -159,7 +159,7 @@
       </p14:sectionLst>
     </p:ext>
     <p:ext uri="{EFAFB233-063F-42B5-8137-9DF3F51BA10A}">
-      <p15:sldGuideLst xmlns="" xmlns:p15="http://schemas.microsoft.com/office/powerpoint/2012/main">
+      <p15:sldGuideLst xmlns:p15="http://schemas.microsoft.com/office/powerpoint/2012/main" xmlns="">
         <p15:guide id="1" orient="horz" pos="2160">
           <p15:clr>
             <a:srgbClr val="A4A3A4"/>
@@ -173,7 +173,7 @@
       </p15:sldGuideLst>
     </p:ext>
     <p:ext uri="{2D200454-40CA-4A62-9FC3-DE9A4176ACB9}">
-      <p15:notesGuideLst xmlns="" xmlns:p15="http://schemas.microsoft.com/office/powerpoint/2012/main"/>
+      <p15:notesGuideLst xmlns:p15="http://schemas.microsoft.com/office/powerpoint/2012/main" xmlns=""/>
     </p:ext>
   </p:extLst>
 </p:presentation>
@@ -269,7 +269,7 @@
             <a:fld id="{30A74B2F-3EEF-410A-B738-5B66A46A3256}" type="datetimeFigureOut">
               <a:rPr lang="en-US" smtClean="0"/>
               <a:pPr/>
-              <a:t>7/7/16</a:t>
+              <a:t>7/13/16</a:t>
             </a:fld>
             <a:endParaRPr lang="en-US"/>
           </a:p>
@@ -436,7 +436,7 @@
             <a:fld id="{2E5CA586-3557-4985-BCD4-35EF5AC8B4A4}" type="datetimeFigureOut">
               <a:rPr lang="en-US" smtClean="0"/>
               <a:pPr/>
-              <a:t>7/7/16</a:t>
+              <a:t>7/13/16</a:t>
             </a:fld>
             <a:endParaRPr lang="en-US"/>
           </a:p>
@@ -2246,15 +2246,7 @@
             </a:r>
             <a:r>
               <a:rPr lang="en-US" altLang="ko-KR" baseline="0" dirty="0" smtClean="0"/>
-              <a:t> 5 </a:t>
-            </a:r>
-            <a:r>
-              <a:rPr lang="en-US" altLang="ko-KR" baseline="0" smtClean="0"/>
-              <a:t>Lesson 5 lab </a:t>
-            </a:r>
-            <a:r>
-              <a:rPr lang="en-US" altLang="ko-KR" baseline="0" dirty="0" smtClean="0"/>
-              <a:t>should be completed at this time:</a:t>
+              <a:t> 5 Lesson 5 lab should be completed at this time:</a:t>
             </a:r>
           </a:p>
           <a:p>
@@ -2287,17 +2279,10 @@
               <a:t>computerscience</a:t>
             </a:r>
             <a:r>
-              <a:rPr lang="en-US" altLang="ko-KR" dirty="0" smtClean="0"/>
-              <a:t>/tree/master/Instructor-Led/Module5/Labs</a:t>
-            </a:r>
-            <a:endParaRPr lang="ko-KR" altLang="en-US" dirty="0" smtClean="0"/>
-          </a:p>
-          <a:p>
-            <a:pPr marL="171450" indent="-171450">
-              <a:buFont typeface="Arial"/>
-              <a:buChar char="•"/>
-            </a:pPr>
-            <a:endParaRPr lang="en-US" dirty="0"/>
+              <a:rPr lang="en-US" altLang="ko-KR" smtClean="0"/>
+              <a:t>/tree/master/Complimentary%20Course%20Content/Module5/Labs</a:t>
+            </a:r>
+            <a:endParaRPr lang="ko-KR" altLang="en-US" dirty="0"/>
           </a:p>
         </p:txBody>
       </p:sp>
@@ -11319,7 +11304,7 @@
                 <a:latin typeface="Segoe UI"/>
               </a:rPr>
               <a:pPr/>
-              <a:t>7/7/16</a:t>
+              <a:t>7/13/16</a:t>
             </a:fld>
             <a:endParaRPr lang="en-US">
               <a:solidFill>
@@ -11524,7 +11509,7 @@
                 <a:latin typeface="Segoe UI"/>
               </a:rPr>
               <a:pPr/>
-              <a:t>7/7/16</a:t>
+              <a:t>7/13/16</a:t>
             </a:fld>
             <a:endParaRPr lang="en-US">
               <a:solidFill>
@@ -11822,7 +11807,7 @@
                 <a:latin typeface="Segoe UI"/>
               </a:rPr>
               <a:pPr/>
-              <a:t>7/7/16</a:t>
+              <a:t>7/13/16</a:t>
             </a:fld>
             <a:endParaRPr lang="en-US">
               <a:solidFill>
@@ -12166,7 +12151,7 @@
                 <a:latin typeface="Segoe UI"/>
               </a:rPr>
               <a:pPr/>
-              <a:t>7/7/16</a:t>
+              <a:t>7/13/16</a:t>
             </a:fld>
             <a:endParaRPr lang="en-US">
               <a:solidFill>
@@ -12541,7 +12526,7 @@
                 <a:latin typeface="Segoe UI"/>
               </a:rPr>
               <a:pPr/>
-              <a:t>7/7/16</a:t>
+              <a:t>7/13/16</a:t>
             </a:fld>
             <a:endParaRPr lang="en-US">
               <a:solidFill>
@@ -13852,7 +13837,7 @@
                 <a:latin typeface="Segoe UI"/>
               </a:rPr>
               <a:pPr/>
-              <a:t>7/7/16</a:t>
+              <a:t>7/13/16</a:t>
             </a:fld>
             <a:endParaRPr lang="en-US">
               <a:solidFill>
@@ -14253,7 +14238,7 @@
                 <a:latin typeface="Segoe UI"/>
               </a:rPr>
               <a:pPr/>
-              <a:t>7/7/16</a:t>
+              <a:t>7/13/16</a:t>
             </a:fld>
             <a:endParaRPr lang="en-US">
               <a:solidFill>
@@ -14407,7 +14392,7 @@
                 <a:latin typeface="Segoe UI"/>
               </a:rPr>
               <a:pPr/>
-              <a:t>7/7/16</a:t>
+              <a:t>7/13/16</a:t>
             </a:fld>
             <a:endParaRPr lang="en-US">
               <a:solidFill>
@@ -14539,7 +14524,7 @@
                 <a:latin typeface="Segoe UI"/>
               </a:rPr>
               <a:pPr/>
-              <a:t>7/7/16</a:t>
+              <a:t>7/13/16</a:t>
             </a:fld>
             <a:endParaRPr lang="en-US">
               <a:solidFill>
@@ -14851,7 +14836,7 @@
                 <a:latin typeface="Segoe UI"/>
               </a:rPr>
               <a:pPr/>
-              <a:t>7/7/16</a:t>
+              <a:t>7/13/16</a:t>
             </a:fld>
             <a:endParaRPr lang="en-US">
               <a:solidFill>
@@ -15140,7 +15125,7 @@
                 <a:latin typeface="Segoe UI"/>
               </a:rPr>
               <a:pPr/>
-              <a:t>7/7/16</a:t>
+              <a:t>7/13/16</a:t>
             </a:fld>
             <a:endParaRPr lang="en-US">
               <a:solidFill>
@@ -15345,7 +15330,7 @@
                 <a:latin typeface="Segoe UI"/>
               </a:rPr>
               <a:pPr/>
-              <a:t>7/7/16</a:t>
+              <a:t>7/13/16</a:t>
             </a:fld>
             <a:endParaRPr lang="en-US">
               <a:solidFill>
@@ -15560,7 +15545,7 @@
                 <a:latin typeface="Segoe UI"/>
               </a:rPr>
               <a:pPr/>
-              <a:t>7/7/16</a:t>
+              <a:t>7/13/16</a:t>
             </a:fld>
             <a:endParaRPr lang="en-US">
               <a:solidFill>
@@ -15803,7 +15788,7 @@
                 <a:latin typeface="Segoe UI"/>
               </a:rPr>
               <a:pPr/>
-              <a:t>7/7/16</a:t>
+              <a:t>7/13/16</a:t>
             </a:fld>
             <a:endParaRPr lang="en-US">
               <a:solidFill>
@@ -16008,7 +15993,7 @@
                 <a:latin typeface="Segoe UI"/>
               </a:rPr>
               <a:pPr/>
-              <a:t>7/7/16</a:t>
+              <a:t>7/13/16</a:t>
             </a:fld>
             <a:endParaRPr lang="en-US">
               <a:solidFill>
@@ -16763,7 +16748,7 @@
                 <a:latin typeface="Segoe UI"/>
               </a:rPr>
               <a:pPr/>
-              <a:t>7/7/16</a:t>
+              <a:t>7/13/16</a:t>
             </a:fld>
             <a:endParaRPr lang="en-US">
               <a:solidFill>
@@ -17107,7 +17092,7 @@
                 <a:latin typeface="Segoe UI"/>
               </a:rPr>
               <a:pPr/>
-              <a:t>7/7/16</a:t>
+              <a:t>7/13/16</a:t>
             </a:fld>
             <a:endParaRPr lang="en-US">
               <a:solidFill>
@@ -17482,7 +17467,7 @@
                 <a:latin typeface="Segoe UI"/>
               </a:rPr>
               <a:pPr/>
-              <a:t>7/7/16</a:t>
+              <a:t>7/13/16</a:t>
             </a:fld>
             <a:endParaRPr lang="en-US">
               <a:solidFill>
@@ -18426,7 +18411,7 @@
                 <a:latin typeface="Segoe UI"/>
               </a:rPr>
               <a:pPr/>
-              <a:t>7/7/16</a:t>
+              <a:t>7/13/16</a:t>
             </a:fld>
             <a:endParaRPr lang="en-US">
               <a:solidFill>
@@ -18827,7 +18812,7 @@
                 <a:latin typeface="Segoe UI"/>
               </a:rPr>
               <a:pPr/>
-              <a:t>7/7/16</a:t>
+              <a:t>7/13/16</a:t>
             </a:fld>
             <a:endParaRPr lang="en-US">
               <a:solidFill>
@@ -18981,7 +18966,7 @@
                 <a:latin typeface="Segoe UI"/>
               </a:rPr>
               <a:pPr/>
-              <a:t>7/7/16</a:t>
+              <a:t>7/13/16</a:t>
             </a:fld>
             <a:endParaRPr lang="en-US">
               <a:solidFill>
@@ -19113,7 +19098,7 @@
                 <a:latin typeface="Segoe UI"/>
               </a:rPr>
               <a:pPr/>
-              <a:t>7/7/16</a:t>
+              <a:t>7/13/16</a:t>
             </a:fld>
             <a:endParaRPr lang="en-US">
               <a:solidFill>
@@ -19988,7 +19973,7 @@
                 <a:latin typeface="Segoe UI"/>
               </a:rPr>
               <a:pPr/>
-              <a:t>7/7/16</a:t>
+              <a:t>7/13/16</a:t>
             </a:fld>
             <a:endParaRPr lang="en-US">
               <a:solidFill>
@@ -20277,7 +20262,7 @@
                 <a:latin typeface="Segoe UI"/>
               </a:rPr>
               <a:pPr/>
-              <a:t>7/7/16</a:t>
+              <a:t>7/13/16</a:t>
             </a:fld>
             <a:endParaRPr lang="en-US">
               <a:solidFill>
@@ -20482,7 +20467,7 @@
                 <a:latin typeface="Segoe UI"/>
               </a:rPr>
               <a:pPr/>
-              <a:t>7/7/16</a:t>
+              <a:t>7/13/16</a:t>
             </a:fld>
             <a:endParaRPr lang="en-US">
               <a:solidFill>
@@ -20697,7 +20682,7 @@
                 <a:latin typeface="Segoe UI"/>
               </a:rPr>
               <a:pPr/>
-              <a:t>7/7/16</a:t>
+              <a:t>7/13/16</a:t>
             </a:fld>
             <a:endParaRPr lang="en-US">
               <a:solidFill>
@@ -22382,7 +22367,7 @@
                 <a:latin typeface="Segoe UI"/>
               </a:rPr>
               <a:pPr/>
-              <a:t>7/7/16</a:t>
+              <a:t>7/13/16</a:t>
             </a:fld>
             <a:endParaRPr lang="en-US">
               <a:solidFill>
@@ -22962,7 +22947,7 @@
                 <a:latin typeface="Segoe UI"/>
               </a:rPr>
               <a:pPr/>
-              <a:t>7/7/16</a:t>
+              <a:t>7/13/16</a:t>
             </a:fld>
             <a:endParaRPr lang="en-US">
               <a:solidFill>
@@ -33335,7 +33320,7 @@
   <a:extraClrSchemeLst/>
   <a:extLst>
     <a:ext uri="{05A4C25C-085E-4340-85A3-A5531E510DB2}">
-      <thm15:themeFamily xmlns="" xmlns:thm15="http://schemas.microsoft.com/office/thememl/2012/main" name="Azure4ResearchTemplate" id="{DD1C6CE8-BDBA-0D4F-9930-3643ABC8EF0E}" vid="{B5C66FD7-0952-994B-96D6-AB3BB89097FE}"/>
+      <thm15:themeFamily xmlns:thm15="http://schemas.microsoft.com/office/thememl/2012/main" xmlns="" name="Azure4ResearchTemplate" id="{DD1C6CE8-BDBA-0D4F-9930-3643ABC8EF0E}" vid="{B5C66FD7-0952-994B-96D6-AB3BB89097FE}"/>
     </a:ext>
   </a:extLst>
 </a:theme>
@@ -33604,7 +33589,7 @@
   <a:extraClrSchemeLst/>
   <a:extLst>
     <a:ext uri="{05A4C25C-085E-4340-85A3-A5531E510DB2}">
-      <thm15:themeFamily xmlns="" xmlns:thm15="http://schemas.microsoft.com/office/thememl/2012/main" name="Office Theme" id="{62F939B6-93AF-4DB8-9C6B-D6C7DFDC589F}" vid="{4A3C46E8-61CC-4603-A589-7422A47A8E4A}"/>
+      <thm15:themeFamily xmlns:thm15="http://schemas.microsoft.com/office/thememl/2012/main" xmlns="" name="Office Theme" id="{62F939B6-93AF-4DB8-9C6B-D6C7DFDC589F}" vid="{4A3C46E8-61CC-4603-A589-7422A47A8E4A}"/>
     </a:ext>
   </a:extLst>
 </a:theme>
@@ -33873,7 +33858,7 @@
   <a:extraClrSchemeLst/>
   <a:extLst>
     <a:ext uri="{05A4C25C-085E-4340-85A3-A5531E510DB2}">
-      <thm15:themeFamily xmlns="" xmlns:thm15="http://schemas.microsoft.com/office/thememl/2012/main" name="Office Theme" id="{62F939B6-93AF-4DB8-9C6B-D6C7DFDC589F}" vid="{4A3C46E8-61CC-4603-A589-7422A47A8E4A}"/>
+      <thm15:themeFamily xmlns:thm15="http://schemas.microsoft.com/office/thememl/2012/main" xmlns="" name="Office Theme" id="{62F939B6-93AF-4DB8-9C6B-D6C7DFDC589F}" vid="{4A3C46E8-61CC-4603-A589-7422A47A8E4A}"/>
     </a:ext>
   </a:extLst>
 </a:theme>
@@ -34134,7 +34119,7 @@
   <a:extraClrSchemeLst/>
   <a:extLst>
     <a:ext uri="{05A4C25C-085E-4340-85A3-A5531E510DB2}">
-      <thm15:themeFamily xmlns="" xmlns:thm15="http://schemas.microsoft.com/office/thememl/2012/main" name="Office Theme" id="{62F939B6-93AF-4DB8-9C6B-D6C7DFDC589F}" vid="{4A3C46E8-61CC-4603-A589-7422A47A8E4A}"/>
+      <thm15:themeFamily xmlns:thm15="http://schemas.microsoft.com/office/thememl/2012/main" xmlns="" name="Office Theme" id="{62F939B6-93AF-4DB8-9C6B-D6C7DFDC589F}" vid="{4A3C46E8-61CC-4603-A589-7422A47A8E4A}"/>
     </a:ext>
   </a:extLst>
 </a:theme>
@@ -34429,7 +34414,7 @@
   <a:extraClrSchemeLst/>
   <a:extLst>
     <a:ext uri="{05A4C25C-085E-4340-85A3-A5531E510DB2}">
-      <thm15:themeFamily xmlns="" xmlns:thm15="http://schemas.microsoft.com/office/thememl/2012/main" name="Office Theme" id="{62F939B6-93AF-4DB8-9C6B-D6C7DFDC589F}" vid="{4A3C46E8-61CC-4603-A589-7422A47A8E4A}"/>
+      <thm15:themeFamily xmlns:thm15="http://schemas.microsoft.com/office/thememl/2012/main" xmlns="" name="Office Theme" id="{62F939B6-93AF-4DB8-9C6B-D6C7DFDC589F}" vid="{4A3C46E8-61CC-4603-A589-7422A47A8E4A}"/>
     </a:ext>
   </a:extLst>
 </a:theme>
